--- a/Workshop/PSA2015_Workshop/presentations/PowerPoints/Samplers.pptx
+++ b/Workshop/PSA2015_Workshop/presentations/PowerPoints/Samplers.pptx
@@ -33694,8 +33694,12 @@
           <a:lstStyle/>
           <a:p>
             <a:r>
-              <a:rPr lang="en-US" b="0" smtClean="0"/>
-              <a:t>RAVEN workshop</a:t>
+              <a:rPr lang="en-US" b="0" dirty="0" smtClean="0"/>
+              <a:t>RAVEN </a:t>
+            </a:r>
+            <a:r>
+              <a:rPr lang="en-US" b="0" dirty="0" smtClean="0"/>
+              <a:t>workshop</a:t>
             </a:r>
             <a:endParaRPr lang="en-US" b="0" dirty="0"/>
           </a:p>
@@ -33779,54 +33783,6 @@
             <a:endParaRPr lang="en-US" sz="1600" dirty="0">
               <a:latin typeface="Arial" charset="0"/>
             </a:endParaRPr>
-          </a:p>
-        </p:txBody>
-      </p:sp>
-      <p:sp>
-        <p:nvSpPr>
-          <p:cNvPr id="68615" name="Text Box 7"/>
-          <p:cNvSpPr txBox="1">
-            <a:spLocks noChangeArrowheads="1"/>
-          </p:cNvSpPr>
-          <p:nvPr/>
-        </p:nvSpPr>
-        <p:spPr bwMode="auto">
-          <a:xfrm>
-            <a:off x="2914650" y="3436938"/>
-            <a:ext cx="5775325" cy="207962"/>
-          </a:xfrm>
-          <a:prstGeom prst="rect">
-            <a:avLst/>
-          </a:prstGeom>
-          <a:noFill/>
-          <a:ln w="9525">
-            <a:noFill/>
-            <a:miter lim="800000"/>
-            <a:headEnd/>
-            <a:tailEnd/>
-          </a:ln>
-          <a:effectLst/>
-        </p:spPr>
-        <p:txBody>
-          <a:bodyPr lIns="0" tIns="0" rIns="0" bIns="0">
-            <a:spAutoFit/>
-          </a:bodyPr>
-          <a:lstStyle/>
-          <a:p>
-            <a:pPr>
-              <a:lnSpc>
-                <a:spcPct val="85000"/>
-              </a:lnSpc>
-              <a:spcBef>
-                <a:spcPct val="40000"/>
-              </a:spcBef>
-            </a:pPr>
-            <a:r>
-              <a:rPr lang="en-US" sz="1600">
-                <a:latin typeface="Arial" charset="0"/>
-              </a:rPr>
-              <a:t>Date</a:t>
-            </a:r>
           </a:p>
         </p:txBody>
       </p:sp>
